--- a/gitUsage.pptx
+++ b/gitUsage.pptx
@@ -3637,7 +3637,15 @@
           <a:p>
             <a:r>
               <a:rPr lang="zh-CN" altLang="en-US"/>
-              <a:t>git checkout -b txt-feature development </a:t>
+              <a:t>git checkout -b f</a:t>
+            </a:r>
+            <a:r>
+              <a:rPr lang="zh-CN" altLang="en-US"/>
+              <a:t>eature-txt</a:t>
+            </a:r>
+            <a:r>
+              <a:rPr lang="zh-CN" altLang="en-US"/>
+              <a:t> development </a:t>
             </a:r>
             <a:endParaRPr lang="zh-CN" altLang="en-US"/>
           </a:p>
@@ -3665,7 +3673,13 @@
           <a:p>
             <a:r>
               <a:rPr lang="zh-CN" altLang="en-US"/>
-              <a:t>git push -u origin txt-feature</a:t>
+              <a:t>git push -u origin </a:t>
+            </a:r>
+            <a:r>
+              <a:rPr lang="zh-CN" altLang="en-US">
+                <a:sym typeface="+mn-ea"/>
+              </a:rPr>
+              <a:t>feature-txt</a:t>
             </a:r>
             <a:endParaRPr lang="zh-CN" altLang="en-US"/>
           </a:p>
@@ -3751,7 +3765,13 @@
               <a:rPr lang="zh-CN" altLang="en-US">
                 <a:sym typeface="+mn-ea"/>
               </a:rPr>
-              <a:t>git checkout txt-feature</a:t>
+              <a:t>git checkout </a:t>
+            </a:r>
+            <a:r>
+              <a:rPr lang="zh-CN" altLang="en-US">
+                <a:sym typeface="+mn-ea"/>
+              </a:rPr>
+              <a:t>feature-txt</a:t>
             </a:r>
             <a:endParaRPr lang="zh-CN" altLang="en-US"/>
           </a:p>
@@ -3778,7 +3798,13 @@
               <a:rPr lang="zh-CN" altLang="en-US">
                 <a:sym typeface="+mn-ea"/>
               </a:rPr>
-              <a:t>git merge txt-feature</a:t>
+              <a:t>git merge </a:t>
+            </a:r>
+            <a:r>
+              <a:rPr lang="zh-CN" altLang="en-US">
+                <a:sym typeface="+mn-ea"/>
+              </a:rPr>
+              <a:t>feature-txt</a:t>
             </a:r>
             <a:endParaRPr lang="zh-CN" altLang="en-US"/>
           </a:p>
@@ -3796,7 +3822,13 @@
               <a:rPr lang="zh-CN" altLang="en-US">
                 <a:sym typeface="+mn-ea"/>
               </a:rPr>
-              <a:t>git branch -d txt-feature</a:t>
+              <a:t>git branch -d </a:t>
+            </a:r>
+            <a:r>
+              <a:rPr lang="zh-CN" altLang="en-US">
+                <a:sym typeface="+mn-ea"/>
+              </a:rPr>
+              <a:t>feature-txt</a:t>
             </a:r>
             <a:endParaRPr lang="zh-CN" altLang="en-US"/>
           </a:p>

--- a/gitUsage.pptx
+++ b/gitUsage.pptx
@@ -3148,7 +3148,15 @@
           <a:p>
             <a:r>
               <a:rPr lang="zh-CN" altLang="en-US"/>
-              <a:t>git checkout -b bug-fix origin/master </a:t>
+              <a:t>git checkout -b f</a:t>
+            </a:r>
+            <a:r>
+              <a:rPr lang="zh-CN" altLang="en-US"/>
+              <a:t>ix-1</a:t>
+            </a:r>
+            <a:r>
+              <a:rPr lang="zh-CN" altLang="en-US"/>
+              <a:t> origin/master </a:t>
             </a:r>
             <a:endParaRPr lang="zh-CN" altLang="en-US"/>
           </a:p>
@@ -3176,9 +3184,9 @@
           <a:p>
             <a:r>
               <a:rPr lang="zh-CN" altLang="en-US"/>
-              <a:t>git merge bug-fix</a:t>
-            </a:r>
-            <a:endParaRPr lang="zh-CN" altLang="en-US"/>
+              <a:t>git merge fix-1</a:t>
+            </a:r>
+            <a:endParaRPr lang="x-none" altLang="zh-CN"/>
           </a:p>
           <a:p>
             <a:r>
@@ -3200,9 +3208,9 @@
           <a:p>
             <a:r>
               <a:rPr lang="zh-CN" altLang="en-US"/>
-              <a:t>git merge bug-fix</a:t>
-            </a:r>
-            <a:endParaRPr lang="zh-CN" altLang="en-US"/>
+              <a:t>git merge fix-1</a:t>
+            </a:r>
+            <a:endParaRPr lang="x-none" altLang="zh-CN"/>
           </a:p>
           <a:p>
             <a:r>
@@ -3214,7 +3222,7 @@
           <a:p>
             <a:r>
               <a:rPr lang="zh-CN" altLang="en-US"/>
-              <a:t>git branch -d bug-fix</a:t>
+              <a:t>git branch -d fix-1</a:t>
             </a:r>
             <a:endParaRPr lang="zh-CN" altLang="en-US"/>
           </a:p>
@@ -3938,7 +3946,15 @@
           <a:p>
             <a:r>
               <a:rPr lang="zh-CN" altLang="en-US"/>
-              <a:t>git checkout -b bug-fix origin/test</a:t>
+              <a:t>git checkout -b bug-</a:t>
+            </a:r>
+            <a:r>
+              <a:rPr lang="x-none" altLang="zh-CN"/>
+              <a:t>1</a:t>
+            </a:r>
+            <a:r>
+              <a:rPr lang="zh-CN" altLang="en-US"/>
+              <a:t> origin/test</a:t>
             </a:r>
             <a:endParaRPr lang="zh-CN" altLang="en-US"/>
           </a:p>
@@ -4040,7 +4056,7 @@
           <a:p>
             <a:r>
               <a:rPr lang="zh-CN" altLang="en-US"/>
-              <a:t>git merge bug-fix </a:t>
+              <a:t>git merge bug-1 </a:t>
             </a:r>
             <a:endParaRPr lang="zh-CN" altLang="en-US"/>
           </a:p>
@@ -4061,9 +4077,9 @@
           <a:p>
             <a:r>
               <a:rPr lang="zh-CN" altLang="en-US"/>
-              <a:t>git merge bug-fix</a:t>
-            </a:r>
-            <a:endParaRPr lang="zh-CN" altLang="en-US"/>
+              <a:t>git merge bug-1</a:t>
+            </a:r>
+            <a:endParaRPr lang="x-none" altLang="zh-CN"/>
           </a:p>
           <a:p>
             <a:r>
@@ -4075,7 +4091,7 @@
           <a:p>
             <a:r>
               <a:rPr lang="zh-CN" altLang="en-US"/>
-              <a:t>git checkout -d bug-fix</a:t>
+              <a:t>git checkout -d bug-1</a:t>
             </a:r>
             <a:endParaRPr lang="zh-CN" altLang="en-US"/>
           </a:p>

--- a/gitUsage.pptx
+++ b/gitUsage.pptx
@@ -3939,22 +3939,18 @@
             </a:pPr>
             <a:r>
               <a:rPr lang="x-none" altLang="zh-CN"/>
-              <a:t> 测试出bug：</a:t>
+              <a:t> </a:t>
+            </a:r>
+            <a:r>
+              <a:rPr lang="zh-CN" altLang="en-US"/>
+              <a:t>测试出bug：</a:t>
             </a:r>
             <a:endParaRPr lang="x-none" altLang="zh-CN"/>
           </a:p>
           <a:p>
             <a:r>
               <a:rPr lang="zh-CN" altLang="en-US"/>
-              <a:t>git checkout -b bug-</a:t>
-            </a:r>
-            <a:r>
-              <a:rPr lang="x-none" altLang="zh-CN"/>
-              <a:t>1</a:t>
-            </a:r>
-            <a:r>
-              <a:rPr lang="zh-CN" altLang="en-US"/>
-              <a:t> origin/test</a:t>
+              <a:t>git checkout -b bug-1 origin/test</a:t>
             </a:r>
             <a:endParaRPr lang="zh-CN" altLang="en-US"/>
           </a:p>

--- a/gitUsage.pptx
+++ b/gitUsage.pptx
@@ -1,6 +1,6 @@
 
 <file path=ppt/presentation.xml><?xml version="1.0" encoding="utf-8"?>
-<p:presentation xmlns:a="http://schemas.openxmlformats.org/drawingml/2006/main" xmlns:r="http://schemas.openxmlformats.org/officeDocument/2006/relationships" xmlns:p="http://schemas.openxmlformats.org/presentationml/2006/main" saveSubsetFonts="1">
+<p:presentation xmlns:a="http://schemas.openxmlformats.org/drawingml/2006/main" xmlns:r="http://schemas.openxmlformats.org/officeDocument/2006/relationships" xmlns:p="http://schemas.openxmlformats.org/presentationml/2006/main">
   <p:sldMasterIdLst>
     <p:sldMasterId id="2147483648" r:id="rId1"/>
   </p:sldMasterIdLst>
@@ -979,6 +979,7 @@
               <a:rPr lang="zh-CN" altLang="en-US" smtClean="0"/>
               <a:t>单击此处编辑母版文本样式</a:t>
             </a:r>
+            <a:endParaRPr lang="zh-CN" altLang="en-US" smtClean="0"/>
           </a:p>
         </p:txBody>
       </p:sp>
@@ -1393,6 +1394,7 @@
               <a:rPr lang="zh-CN" altLang="en-US" smtClean="0"/>
               <a:t>单击此处编辑母版文本样式</a:t>
             </a:r>
+            <a:endParaRPr lang="zh-CN" altLang="en-US" smtClean="0"/>
           </a:p>
         </p:txBody>
       </p:sp>
@@ -1519,6 +1521,7 @@
               <a:rPr lang="zh-CN" altLang="en-US" smtClean="0"/>
               <a:t>单击此处编辑母版文本样式</a:t>
             </a:r>
+            <a:endParaRPr lang="zh-CN" altLang="en-US" smtClean="0"/>
           </a:p>
         </p:txBody>
       </p:sp>
@@ -2053,6 +2056,7 @@
               <a:rPr lang="zh-CN" altLang="en-US" smtClean="0"/>
               <a:t>单击此处编辑母版文本样式</a:t>
             </a:r>
+            <a:endParaRPr lang="zh-CN" altLang="en-US" smtClean="0"/>
           </a:p>
         </p:txBody>
       </p:sp>
@@ -2299,6 +2303,7 @@
               <a:rPr lang="zh-CN" altLang="en-US" smtClean="0"/>
               <a:t>单击此处编辑母版文本样式</a:t>
             </a:r>
+            <a:endParaRPr lang="zh-CN" altLang="en-US" smtClean="0"/>
           </a:p>
         </p:txBody>
       </p:sp>
@@ -2655,7 +2660,7 @@
         <a:spcBef>
           <a:spcPts val="1000"/>
         </a:spcBef>
-        <a:buFont typeface="Arial" panose="020B0604020202020204" pitchFamily="34" charset="0"/>
+        <a:buFont typeface="Arial" panose="02080604020202020204" pitchFamily="34" charset="0"/>
         <a:buChar char="•"/>
         <a:defRPr sz="2800" kern="1200">
           <a:solidFill>
@@ -2673,7 +2678,7 @@
         <a:spcBef>
           <a:spcPts val="500"/>
         </a:spcBef>
-        <a:buFont typeface="Arial" panose="020B0604020202020204" pitchFamily="34" charset="0"/>
+        <a:buFont typeface="Arial" panose="02080604020202020204" pitchFamily="34" charset="0"/>
         <a:buChar char="•"/>
         <a:defRPr sz="2400" kern="1200">
           <a:solidFill>
@@ -2691,7 +2696,7 @@
         <a:spcBef>
           <a:spcPts val="500"/>
         </a:spcBef>
-        <a:buFont typeface="Arial" panose="020B0604020202020204" pitchFamily="34" charset="0"/>
+        <a:buFont typeface="Arial" panose="02080604020202020204" pitchFamily="34" charset="0"/>
         <a:buChar char="•"/>
         <a:defRPr sz="2000" kern="1200">
           <a:solidFill>
@@ -2709,7 +2714,7 @@
         <a:spcBef>
           <a:spcPts val="500"/>
         </a:spcBef>
-        <a:buFont typeface="Arial" panose="020B0604020202020204" pitchFamily="34" charset="0"/>
+        <a:buFont typeface="Arial" panose="02080604020202020204" pitchFamily="34" charset="0"/>
         <a:buChar char="•"/>
         <a:defRPr sz="1800" kern="1200">
           <a:solidFill>
@@ -2727,7 +2732,7 @@
         <a:spcBef>
           <a:spcPts val="500"/>
         </a:spcBef>
-        <a:buFont typeface="Arial" panose="020B0604020202020204" pitchFamily="34" charset="0"/>
+        <a:buFont typeface="Arial" panose="02080604020202020204" pitchFamily="34" charset="0"/>
         <a:buChar char="•"/>
         <a:defRPr sz="1800" kern="1200">
           <a:solidFill>
@@ -2745,7 +2750,7 @@
         <a:spcBef>
           <a:spcPts val="500"/>
         </a:spcBef>
-        <a:buFont typeface="Arial" panose="020B0604020202020204" pitchFamily="34" charset="0"/>
+        <a:buFont typeface="Arial" panose="02080604020202020204" pitchFamily="34" charset="0"/>
         <a:buChar char="•"/>
         <a:defRPr sz="1800" kern="1200">
           <a:solidFill>
@@ -2763,7 +2768,7 @@
         <a:spcBef>
           <a:spcPts val="500"/>
         </a:spcBef>
-        <a:buFont typeface="Arial" panose="020B0604020202020204" pitchFamily="34" charset="0"/>
+        <a:buFont typeface="Arial" panose="02080604020202020204" pitchFamily="34" charset="0"/>
         <a:buChar char="•"/>
         <a:defRPr sz="1800" kern="1200">
           <a:solidFill>
@@ -2781,7 +2786,7 @@
         <a:spcBef>
           <a:spcPts val="500"/>
         </a:spcBef>
-        <a:buFont typeface="Arial" panose="020B0604020202020204" pitchFamily="34" charset="0"/>
+        <a:buFont typeface="Arial" panose="02080604020202020204" pitchFamily="34" charset="0"/>
         <a:buChar char="•"/>
         <a:defRPr sz="1800" kern="1200">
           <a:solidFill>
@@ -2799,7 +2804,7 @@
         <a:spcBef>
           <a:spcPts val="500"/>
         </a:spcBef>
-        <a:buFont typeface="Arial" panose="020B0604020202020204" pitchFamily="34" charset="0"/>
+        <a:buFont typeface="Arial" panose="02080604020202020204" pitchFamily="34" charset="0"/>
         <a:buChar char="•"/>
         <a:defRPr sz="1800" kern="1200">
           <a:solidFill>
@@ -2971,8 +2976,53 @@
           <a:p>
             <a:r>
               <a:rPr lang="x-none" altLang="zh-CN"/>
-              <a:t>		     日期：2016年9月26日</a:t>
-            </a:r>
+              <a:t>		     </a:t>
+            </a:r>
+            <a:r>
+              <a:rPr lang="zh-CN" altLang="x-none"/>
+              <a:t>初版</a:t>
+            </a:r>
+            <a:r>
+              <a:rPr lang="x-none" altLang="zh-CN"/>
+              <a:t>日期：2016年9月26日</a:t>
+            </a:r>
+            <a:endParaRPr lang="x-none" altLang="zh-CN"/>
+          </a:p>
+          <a:p>
+            <a:r>
+              <a:rPr lang="zh-CN" altLang="x-none"/>
+              <a:t>                        修订日期：</a:t>
+            </a:r>
+            <a:r>
+              <a:rPr lang="en-US" altLang="zh-CN"/>
+              <a:t>2019</a:t>
+            </a:r>
+            <a:r>
+              <a:rPr lang="zh-CN" altLang="en-US"/>
+              <a:t>年</a:t>
+            </a:r>
+            <a:r>
+              <a:rPr lang="en-US" altLang="zh-CN"/>
+              <a:t>5</a:t>
+            </a:r>
+            <a:r>
+              <a:rPr lang="zh-CN" altLang="en-US"/>
+              <a:t>月</a:t>
+            </a:r>
+            <a:r>
+              <a:rPr lang="en-US" altLang="zh-CN"/>
+              <a:t>21</a:t>
+            </a:r>
+            <a:r>
+              <a:rPr lang="zh-CN" altLang="en-US"/>
+              <a:t>日</a:t>
+            </a:r>
+            <a:endParaRPr lang="x-none" altLang="zh-CN"/>
+          </a:p>
+          <a:p>
+            <a:endParaRPr lang="x-none" altLang="zh-CN"/>
+          </a:p>
+          <a:p>
             <a:endParaRPr lang="x-none" altLang="zh-CN"/>
           </a:p>
         </p:txBody>
@@ -3148,15 +3198,7 @@
           <a:p>
             <a:r>
               <a:rPr lang="zh-CN" altLang="en-US"/>
-              <a:t>git checkout -b f</a:t>
-            </a:r>
-            <a:r>
-              <a:rPr lang="zh-CN" altLang="en-US"/>
-              <a:t>ix-1</a:t>
-            </a:r>
-            <a:r>
-              <a:rPr lang="zh-CN" altLang="en-US"/>
-              <a:t> origin/master </a:t>
+              <a:t>git checkout -b fix-1 origin/master </a:t>
             </a:r>
             <a:endParaRPr lang="zh-CN" altLang="en-US"/>
           </a:p>
@@ -3417,7 +3459,7 @@
         </p:nvSpPr>
         <p:spPr>
           <a:xfrm>
-            <a:off x="805815" y="1841500"/>
+            <a:off x="814070" y="1849755"/>
             <a:ext cx="10515600" cy="4351338"/>
           </a:xfrm>
         </p:spPr>
@@ -3433,18 +3475,46 @@
           <a:p>
             <a:r>
               <a:rPr lang="zh-CN" altLang="en-US"/>
-              <a:t>git branch development</a:t>
-            </a:r>
-            <a:endParaRPr lang="zh-CN" altLang="en-US"/>
+              <a:t>git branch development </a:t>
+            </a:r>
+            <a:endParaRPr lang="zh-CN" altLang="en-US"/>
+          </a:p>
+          <a:p>
+            <a:r>
+              <a:rPr lang="en-US" altLang="zh-CN">
+                <a:solidFill>
+                  <a:srgbClr val="FF0000"/>
+                </a:solidFill>
+              </a:rPr>
+              <a:t>git branch -b development (</a:t>
+            </a:r>
+            <a:r>
+              <a:rPr lang="zh-CN" altLang="en-US">
+                <a:solidFill>
+                  <a:srgbClr val="FF0000"/>
+                </a:solidFill>
+              </a:rPr>
+              <a:t>与上一条命令的区别？</a:t>
+            </a:r>
+            <a:r>
+              <a:rPr lang="en-US" altLang="zh-CN">
+                <a:solidFill>
+                  <a:srgbClr val="FF0000"/>
+                </a:solidFill>
+              </a:rPr>
+              <a:t>)</a:t>
+            </a:r>
+            <a:endParaRPr lang="zh-CN" altLang="en-US">
+              <a:solidFill>
+                <a:srgbClr val="FF0000"/>
+              </a:solidFill>
+            </a:endParaRPr>
           </a:p>
           <a:p>
             <a:r>
               <a:rPr lang="zh-CN" altLang="en-US"/>
               <a:t>git push -u origin development （在远程添加与本地分支同名的development分支）</a:t>
             </a:r>
-            <a:endParaRPr lang="zh-CN" altLang="en-US"/>
-          </a:p>
-          <a:p>
             <a:endParaRPr lang="zh-CN" altLang="en-US"/>
           </a:p>
           <a:p>
@@ -3645,15 +3715,7 @@
           <a:p>
             <a:r>
               <a:rPr lang="zh-CN" altLang="en-US"/>
-              <a:t>git checkout -b f</a:t>
-            </a:r>
-            <a:r>
-              <a:rPr lang="zh-CN" altLang="en-US"/>
-              <a:t>eature-txt</a:t>
-            </a:r>
-            <a:r>
-              <a:rPr lang="zh-CN" altLang="en-US"/>
-              <a:t> development </a:t>
+              <a:t>git checkout -b feature-txt development </a:t>
             </a:r>
             <a:endParaRPr lang="zh-CN" altLang="en-US"/>
           </a:p>
@@ -3773,22 +3835,88 @@
               <a:rPr lang="zh-CN" altLang="en-US">
                 <a:sym typeface="+mn-ea"/>
               </a:rPr>
-              <a:t>git checkout </a:t>
+              <a:t>git checkout feature-txt </a:t>
+            </a:r>
+            <a:r>
+              <a:rPr lang="en-US" altLang="zh-CN">
+                <a:sym typeface="+mn-ea"/>
+              </a:rPr>
+              <a:t>(</a:t>
             </a:r>
             <a:r>
               <a:rPr lang="zh-CN" altLang="en-US">
                 <a:sym typeface="+mn-ea"/>
               </a:rPr>
-              <a:t>feature-txt</a:t>
-            </a:r>
-            <a:endParaRPr lang="zh-CN" altLang="en-US"/>
-          </a:p>
-          <a:p>
+              <a:t>切换到</a:t>
+            </a:r>
+            <a:r>
+              <a:rPr lang="en-US" altLang="zh-CN">
+                <a:sym typeface="+mn-ea"/>
+              </a:rPr>
+              <a:t>feature</a:t>
+            </a:r>
             <a:r>
               <a:rPr lang="zh-CN" altLang="en-US">
                 <a:sym typeface="+mn-ea"/>
               </a:rPr>
-              <a:t>git pull origin development</a:t>
+              <a:t>分支</a:t>
+            </a:r>
+            <a:r>
+              <a:rPr lang="en-US" altLang="zh-CN">
+                <a:sym typeface="+mn-ea"/>
+              </a:rPr>
+              <a:t>)</a:t>
+            </a:r>
+            <a:endParaRPr lang="zh-CN" altLang="en-US"/>
+          </a:p>
+          <a:p>
+            <a:r>
+              <a:rPr lang="zh-CN" altLang="en-US">
+                <a:sym typeface="+mn-ea"/>
+              </a:rPr>
+              <a:t>git pull origin development </a:t>
+            </a:r>
+            <a:r>
+              <a:rPr lang="en-US" altLang="zh-CN">
+                <a:sym typeface="+mn-ea"/>
+              </a:rPr>
+              <a:t>(</a:t>
+            </a:r>
+            <a:r>
+              <a:rPr lang="zh-CN" altLang="en-US">
+                <a:sym typeface="+mn-ea"/>
+              </a:rPr>
+              <a:t>拉取</a:t>
+            </a:r>
+            <a:r>
+              <a:rPr lang="en-US" altLang="zh-CN">
+                <a:sym typeface="+mn-ea"/>
+              </a:rPr>
+              <a:t>development</a:t>
+            </a:r>
+            <a:r>
+              <a:rPr lang="zh-CN" altLang="en-US">
+                <a:sym typeface="+mn-ea"/>
+              </a:rPr>
+              <a:t>分支到当前分支，最后效果与</a:t>
+            </a:r>
+            <a:r>
+              <a:rPr lang="en-US" altLang="zh-CN">
+                <a:sym typeface="+mn-ea"/>
+              </a:rPr>
+              <a:t>git rebase development </a:t>
+            </a:r>
+            <a:r>
+              <a:rPr lang="zh-CN" altLang="en-US">
+                <a:sym typeface="+mn-ea"/>
+              </a:rPr>
+              <a:t>相似</a:t>
+            </a:r>
+            <a:r>
+              <a:rPr lang="en-US" altLang="zh-CN">
+                <a:sym typeface="+mn-ea"/>
+              </a:rPr>
+              <a:t>)</a:t>
             </a:r>
             <a:endParaRPr lang="zh-CN" altLang="en-US"/>
           </a:p>
@@ -3806,13 +3934,7 @@
               <a:rPr lang="zh-CN" altLang="en-US">
                 <a:sym typeface="+mn-ea"/>
               </a:rPr>
-              <a:t>git merge </a:t>
-            </a:r>
-            <a:r>
-              <a:rPr lang="zh-CN" altLang="en-US">
-                <a:sym typeface="+mn-ea"/>
-              </a:rPr>
-              <a:t>feature-txt</a:t>
+              <a:t>git merge feature-txt</a:t>
             </a:r>
             <a:endParaRPr lang="zh-CN" altLang="en-US"/>
           </a:p>
@@ -3830,13 +3952,7 @@
               <a:rPr lang="zh-CN" altLang="en-US">
                 <a:sym typeface="+mn-ea"/>
               </a:rPr>
-              <a:t>git branch -d </a:t>
-            </a:r>
-            <a:r>
-              <a:rPr lang="zh-CN" altLang="en-US">
-                <a:sym typeface="+mn-ea"/>
-              </a:rPr>
-              <a:t>feature-txt</a:t>
+              <a:t>git branch -d feature-txt</a:t>
             </a:r>
             <a:endParaRPr lang="zh-CN" altLang="en-US"/>
           </a:p>
@@ -4041,7 +4157,9 @@
         </p:nvSpPr>
         <p:spPr/>
         <p:txBody>
-          <a:bodyPr/>
+          <a:bodyPr>
+            <a:normAutofit lnSpcReduction="10000"/>
+          </a:bodyPr>
           <a:p>
             <a:r>
               <a:rPr lang="zh-CN" altLang="en-US"/>
@@ -4064,6 +4182,9 @@
             <a:endParaRPr lang="zh-CN" altLang="en-US"/>
           </a:p>
           <a:p>
+            <a:endParaRPr lang="zh-CN" altLang="en-US"/>
+          </a:p>
+          <a:p>
             <a:r>
               <a:rPr lang="zh-CN" altLang="en-US"/>
               <a:t>git checkout development</a:t>
@@ -4082,6 +4203,9 @@
               <a:rPr lang="zh-CN" altLang="en-US"/>
               <a:t>git push</a:t>
             </a:r>
+            <a:endParaRPr lang="zh-CN" altLang="en-US"/>
+          </a:p>
+          <a:p>
             <a:endParaRPr lang="zh-CN" altLang="en-US"/>
           </a:p>
           <a:p>
@@ -4464,8 +4588,6 @@
       </a:bgFillStyleLst>
     </a:fmtScheme>
   </a:themeElements>
-  <a:objectDefaults/>
-  <a:extraClrSchemeLst/>
   <a:extLst>
     <a:ext uri="{05A4C25C-085E-4340-85A3-A5531E510DB2}">
       <thm15:themeFamily xmlns:thm15="http://schemas.microsoft.com/office/thememl/2012/main" name="Office Theme" id="{62F939B6-93AF-4DB8-9C6B-D6C7DFDC589F}" vid="{4A3C46E8-61CC-4603-A589-7422A47A8E4A}"/>

--- a/gitUsage.pptx
+++ b/gitUsage.pptx
@@ -17,6 +17,7 @@
     <p:sldId id="265" r:id="rId12"/>
     <p:sldId id="266" r:id="rId13"/>
     <p:sldId id="267" r:id="rId14"/>
+    <p:sldId id="272" r:id="rId15"/>
   </p:sldIdLst>
   <p:sldSz cx="12192000" cy="6858000"/>
   <p:notesSz cx="6858000" cy="9144000"/>
@@ -3372,6 +3373,122 @@
 </p:sld>
 </file>
 
+<file path=ppt/slides/slide13.xml><?xml version="1.0" encoding="utf-8"?>
+<p:sld xmlns:a="http://schemas.openxmlformats.org/drawingml/2006/main" xmlns:r="http://schemas.openxmlformats.org/officeDocument/2006/relationships" xmlns:p="http://schemas.openxmlformats.org/presentationml/2006/main">
+  <p:cSld>
+    <p:spTree>
+      <p:nvGrpSpPr>
+        <p:cNvPr id="1" name=""/>
+        <p:cNvGrpSpPr/>
+        <p:nvPr/>
+      </p:nvGrpSpPr>
+      <p:grpSpPr/>
+      <p:sp>
+        <p:nvSpPr>
+          <p:cNvPr id="2" name="标题 1"/>
+          <p:cNvSpPr>
+            <a:spLocks noGrp="1"/>
+          </p:cNvSpPr>
+          <p:nvPr>
+            <p:ph type="title"/>
+          </p:nvPr>
+        </p:nvSpPr>
+        <p:spPr/>
+        <p:txBody>
+          <a:bodyPr>
+            <a:normAutofit/>
+          </a:bodyPr>
+          <a:p>
+            <a:pPr algn="ctr"/>
+            <a:r>
+              <a:rPr lang="zh-CN" altLang="en-US"/>
+              <a:t>一些骚操作</a:t>
+            </a:r>
+            <a:endParaRPr lang="zh-CN" altLang="en-US"/>
+          </a:p>
+        </p:txBody>
+      </p:sp>
+      <p:sp>
+        <p:nvSpPr>
+          <p:cNvPr id="3" name="内容占位符 2"/>
+          <p:cNvSpPr>
+            <a:spLocks noGrp="1"/>
+          </p:cNvSpPr>
+          <p:nvPr>
+            <p:ph idx="1"/>
+          </p:nvPr>
+        </p:nvSpPr>
+        <p:spPr>
+          <a:xfrm>
+            <a:off x="847725" y="1844675"/>
+            <a:ext cx="10515600" cy="4351338"/>
+          </a:xfrm>
+        </p:spPr>
+        <p:txBody>
+          <a:bodyPr>
+            <a:normAutofit lnSpcReduction="10000"/>
+          </a:bodyPr>
+          <a:p>
+            <a:r>
+              <a:rPr lang="en-US" altLang="zh-CN"/>
+              <a:t>git checkout ${branchName} ${fileName}</a:t>
+            </a:r>
+            <a:endParaRPr lang="en-US" altLang="zh-CN"/>
+          </a:p>
+          <a:p>
+            <a:r>
+              <a:rPr lang="zh-CN" altLang="en-US"/>
+              <a:t>可以用来跨分支合并代码，在检查吧的开发中，这种方式我用到很多，快速迁移部分功能到另一个平行分支</a:t>
+            </a:r>
+            <a:endParaRPr lang="zh-CN" altLang="en-US"/>
+          </a:p>
+          <a:p>
+            <a:endParaRPr lang="zh-CN" altLang="en-US"/>
+          </a:p>
+          <a:p>
+            <a:r>
+              <a:rPr lang="en-US" altLang="zh-CN"/>
+              <a:t>git blame ${fileName}</a:t>
+            </a:r>
+            <a:endParaRPr lang="en-US" altLang="zh-CN"/>
+          </a:p>
+          <a:p>
+            <a:r>
+              <a:rPr lang="zh-CN" altLang="en-US"/>
+              <a:t>代码被谁搞坏的一目了然</a:t>
+            </a:r>
+            <a:endParaRPr lang="zh-CN" altLang="en-US"/>
+          </a:p>
+          <a:p>
+            <a:endParaRPr lang="zh-CN" altLang="en-US"/>
+          </a:p>
+          <a:p>
+            <a:r>
+              <a:rPr lang="en-US" altLang="zh-CN"/>
+              <a:t>git diff  ${branchName} ${fileName}</a:t>
+            </a:r>
+            <a:endParaRPr lang="en-US" altLang="zh-CN"/>
+          </a:p>
+          <a:p>
+            <a:r>
+              <a:rPr lang="zh-CN" altLang="en-US"/>
+              <a:t>用来查看当前分支的某个文件和另外的分支同名文件的区别</a:t>
+            </a:r>
+            <a:endParaRPr lang="zh-CN" altLang="en-US"/>
+          </a:p>
+          <a:p>
+            <a:endParaRPr lang="zh-CN" altLang="en-US"/>
+          </a:p>
+        </p:txBody>
+      </p:sp>
+    </p:spTree>
+  </p:cSld>
+  <p:clrMapOvr>
+    <a:masterClrMapping/>
+  </p:clrMapOvr>
+</p:sld>
+</file>
+
 <file path=ppt/slides/slide2.xml><?xml version="1.0" encoding="utf-8"?>
 <p:sld xmlns:a="http://schemas.openxmlformats.org/drawingml/2006/main" xmlns:r="http://schemas.openxmlformats.org/officeDocument/2006/relationships" xmlns:p="http://schemas.openxmlformats.org/presentationml/2006/main">
   <p:cSld>
@@ -4080,7 +4197,19 @@
           <a:p>
             <a:r>
               <a:rPr lang="zh-CN" altLang="en-US"/>
-              <a:t>git stage fileName</a:t>
+              <a:t>git stage </a:t>
+            </a:r>
+            <a:r>
+              <a:rPr lang="en-US" altLang="zh-CN"/>
+              <a:t>${</a:t>
+            </a:r>
+            <a:r>
+              <a:rPr lang="zh-CN" altLang="en-US"/>
+              <a:t>fileName</a:t>
+            </a:r>
+            <a:r>
+              <a:rPr lang="en-US" altLang="zh-CN"/>
+              <a:t>}</a:t>
             </a:r>
             <a:endParaRPr lang="zh-CN" altLang="en-US"/>
           </a:p>
